--- a/MSBI.Lecture.04/MSBI.Dev.S20E04.pptx
+++ b/MSBI.Lecture.04/MSBI.Dev.S20E04.pptx
@@ -1221,7 +1221,7 @@
           <a:p>
             <a:fld id="{7F5E9BF7-95E4-A242-BA1D-05FDCF603BE6}" type="datetime1">
               <a:rPr lang="en-US" smtClean="0"/>
-              <a:t>11/23/2019</a:t>
+              <a:t>11/24/2019</a:t>
             </a:fld>
             <a:endParaRPr lang="en-US"/>
           </a:p>
@@ -1387,7 +1387,7 @@
           <a:p>
             <a:fld id="{165DBCB1-0306-AD41-9452-11E7C08D5C04}" type="datetime1">
               <a:rPr lang="en-US" smtClean="0"/>
-              <a:t>11/23/2019</a:t>
+              <a:t>11/24/2019</a:t>
             </a:fld>
             <a:endParaRPr lang="en-US"/>
           </a:p>
@@ -5369,7 +5369,7 @@
           <a:p>
             <a:r>
               <a:rPr lang="en-US" dirty="0"/>
-              <a:t>November, 25 2019</a:t>
+              <a:t>November 25, 2019</a:t>
             </a:r>
           </a:p>
         </p:txBody>
@@ -9305,10 +9305,10 @@
         </p:nvGrpSpPr>
         <p:grpSpPr>
           <a:xfrm>
-            <a:off x="283061" y="2287536"/>
-            <a:ext cx="7840717" cy="362729"/>
-            <a:chOff x="448467" y="1385345"/>
-            <a:chExt cx="10454288" cy="483637"/>
+            <a:off x="283061" y="2233552"/>
+            <a:ext cx="7840717" cy="348438"/>
+            <a:chOff x="448467" y="1407065"/>
+            <a:chExt cx="10454288" cy="464582"/>
           </a:xfrm>
         </p:grpSpPr>
         <p:sp>
@@ -9354,7 +9354,7 @@
           </p:nvSpPr>
           <p:spPr>
             <a:xfrm>
-              <a:off x="448467" y="1385345"/>
+              <a:off x="448467" y="1407065"/>
               <a:ext cx="464583" cy="464582"/>
             </a:xfrm>
             <a:prstGeom prst="ellipse">
@@ -9400,7 +9400,7 @@
         </p:nvGrpSpPr>
         <p:grpSpPr>
           <a:xfrm>
-            <a:off x="614056" y="2850848"/>
+            <a:off x="614056" y="2822899"/>
             <a:ext cx="7840717" cy="362732"/>
             <a:chOff x="448467" y="1385345"/>
             <a:chExt cx="10454288" cy="483642"/>
@@ -9495,7 +9495,7 @@
         </p:nvGrpSpPr>
         <p:grpSpPr>
           <a:xfrm>
-            <a:off x="614056" y="3438340"/>
+            <a:off x="614056" y="3382992"/>
             <a:ext cx="7840717" cy="362729"/>
             <a:chOff x="448467" y="1385345"/>
             <a:chExt cx="10454288" cy="483636"/>
@@ -9623,7 +9623,7 @@
         </p:nvGrpSpPr>
         <p:grpSpPr>
           <a:xfrm>
-            <a:off x="283061" y="1326514"/>
+            <a:off x="283061" y="980582"/>
             <a:ext cx="7840717" cy="362729"/>
             <a:chOff x="448467" y="1385345"/>
             <a:chExt cx="10454288" cy="483636"/>
@@ -9712,101 +9712,6 @@
       </p:grpSp>
       <p:grpSp>
         <p:nvGrpSpPr>
-          <p:cNvPr id="24" name="Group 23"/>
-          <p:cNvGrpSpPr/>
-          <p:nvPr/>
-        </p:nvGrpSpPr>
-        <p:grpSpPr>
-          <a:xfrm>
-            <a:off x="283061" y="822338"/>
-            <a:ext cx="7840717" cy="362730"/>
-            <a:chOff x="448467" y="1385345"/>
-            <a:chExt cx="10454288" cy="483638"/>
-          </a:xfrm>
-        </p:grpSpPr>
-        <p:sp>
-          <p:nvSpPr>
-            <p:cNvPr id="25" name="TextBox 24"/>
-            <p:cNvSpPr txBox="1"/>
-            <p:nvPr/>
-          </p:nvSpPr>
-          <p:spPr>
-            <a:xfrm>
-              <a:off x="991816" y="1417580"/>
-              <a:ext cx="9910939" cy="451403"/>
-            </a:xfrm>
-            <a:prstGeom prst="rect">
-              <a:avLst/>
-            </a:prstGeom>
-            <a:noFill/>
-          </p:spPr>
-          <p:txBody>
-            <a:bodyPr wrap="square" rtlCol="0">
-              <a:spAutoFit/>
-            </a:bodyPr>
-            <a:lstStyle/>
-            <a:p>
-              <a:pPr>
-                <a:buClr>
-                  <a:schemeClr val="bg1"/>
-                </a:buClr>
-                <a:buSzPct val="140000"/>
-              </a:pPr>
-              <a:r>
-                <a:rPr lang="en-US" sz="1600" b="1" dirty="0"/>
-                <a:t>Sorting with NULL</a:t>
-              </a:r>
-            </a:p>
-          </p:txBody>
-        </p:sp>
-        <p:sp>
-          <p:nvSpPr>
-            <p:cNvPr id="26" name="Oval 25"/>
-            <p:cNvSpPr/>
-            <p:nvPr/>
-          </p:nvSpPr>
-          <p:spPr>
-            <a:xfrm>
-              <a:off x="448467" y="1385345"/>
-              <a:ext cx="464583" cy="464582"/>
-            </a:xfrm>
-            <a:prstGeom prst="ellipse">
-              <a:avLst/>
-            </a:prstGeom>
-            <a:solidFill>
-              <a:srgbClr val="2FC2D9"/>
-            </a:solidFill>
-            <a:ln>
-              <a:noFill/>
-            </a:ln>
-            <a:effectLst/>
-          </p:spPr>
-          <p:style>
-            <a:lnRef idx="1">
-              <a:schemeClr val="accent1"/>
-            </a:lnRef>
-            <a:fillRef idx="3">
-              <a:schemeClr val="accent1"/>
-            </a:fillRef>
-            <a:effectRef idx="2">
-              <a:schemeClr val="accent1"/>
-            </a:effectRef>
-            <a:fontRef idx="minor">
-              <a:schemeClr val="lt1"/>
-            </a:fontRef>
-          </p:style>
-          <p:txBody>
-            <a:bodyPr rtlCol="0" anchor="ctr"/>
-            <a:lstStyle/>
-            <a:p>
-              <a:pPr algn="ctr"/>
-              <a:endParaRPr lang="en-US" b="1" dirty="0"/>
-            </a:p>
-          </p:txBody>
-        </p:sp>
-      </p:grpSp>
-      <p:grpSp>
-        <p:nvGrpSpPr>
           <p:cNvPr id="27" name="Group 26">
             <a:extLst>
               <a:ext uri="{FF2B5EF4-FFF2-40B4-BE49-F238E27FC236}">
@@ -9819,7 +9724,7 @@
         </p:nvGrpSpPr>
         <p:grpSpPr>
           <a:xfrm>
-            <a:off x="283061" y="1831244"/>
+            <a:off x="283061" y="1605906"/>
             <a:ext cx="8453427" cy="362728"/>
             <a:chOff x="448467" y="1385345"/>
             <a:chExt cx="11271234" cy="483636"/>
@@ -9926,7 +9831,7 @@
         </p:nvGrpSpPr>
         <p:grpSpPr>
           <a:xfrm>
-            <a:off x="283061" y="3957217"/>
+            <a:off x="283061" y="3957378"/>
             <a:ext cx="7840717" cy="362731"/>
             <a:chOff x="448467" y="1385345"/>
             <a:chExt cx="10454288" cy="483641"/>
@@ -12941,21 +12846,6 @@
 </file>
 
 <file path=customXml/item1.xml><?xml version="1.0" encoding="utf-8"?>
-<?mso-contentType ?>
-<FormTemplates xmlns="http://schemas.microsoft.com/sharepoint/v3/contenttype/forms">
-  <Display>DocumentLibraryForm</Display>
-  <Edit>DocumentLibraryForm</Edit>
-  <New>DocumentLibraryForm</New>
-</FormTemplates>
-</file>
-
-<file path=customXml/item2.xml><?xml version="1.0" encoding="utf-8"?>
-<p:properties xmlns:p="http://schemas.microsoft.com/office/2006/metadata/properties" xmlns:xsi="http://www.w3.org/2001/XMLSchema-instance" xmlns:pc="http://schemas.microsoft.com/office/infopath/2007/PartnerControls">
-  <documentManagement/>
-</p:properties>
-</file>
-
-<file path=customXml/item3.xml><?xml version="1.0" encoding="utf-8"?>
 <ct:contentTypeSchema xmlns:ct="http://schemas.microsoft.com/office/2006/metadata/contentType" xmlns:ma="http://schemas.microsoft.com/office/2006/metadata/properties/metaAttributes" ct:_="" ma:_="" ma:contentTypeName="Document" ma:contentTypeID="0x0101009B22848A6E75B0409A42E310CF3F8F4E" ma:contentTypeVersion="4" ma:contentTypeDescription="Create a new document." ma:contentTypeScope="" ma:versionID="1f74bb98edc28091374bbc6334961465">
   <xsd:schema xmlns:xsd="http://www.w3.org/2001/XMLSchema" xmlns:xs="http://www.w3.org/2001/XMLSchema" xmlns:p="http://schemas.microsoft.com/office/2006/metadata/properties" xmlns:ns2="609121fb-01d0-49fe-b3fd-9a3e3a0646a9" xmlns:ns3="c8fb4810-c3cf-44db-bdf0-77d94482a97a" targetNamespace="http://schemas.microsoft.com/office/2006/metadata/properties" ma:root="true" ma:fieldsID="a6f6063613ae5a1e9406fd437b4bafa6" ns2:_="" ns3:_="">
     <xsd:import namespace="609121fb-01d0-49fe-b3fd-9a3e3a0646a9"/>
@@ -13120,10 +13010,36 @@
 </ct:contentTypeSchema>
 </file>
 
+<file path=customXml/item2.xml><?xml version="1.0" encoding="utf-8"?>
+<p:properties xmlns:p="http://schemas.microsoft.com/office/2006/metadata/properties" xmlns:xsi="http://www.w3.org/2001/XMLSchema-instance" xmlns:pc="http://schemas.microsoft.com/office/infopath/2007/PartnerControls">
+  <documentManagement/>
+</p:properties>
+</file>
+
+<file path=customXml/item3.xml><?xml version="1.0" encoding="utf-8"?>
+<?mso-contentType ?>
+<FormTemplates xmlns="http://schemas.microsoft.com/sharepoint/v3/contenttype/forms">
+  <Display>DocumentLibraryForm</Display>
+  <Edit>DocumentLibraryForm</Edit>
+  <New>DocumentLibraryForm</New>
+</FormTemplates>
+</file>
+
 <file path=customXml/itemProps1.xml><?xml version="1.0" encoding="utf-8"?>
-<ds:datastoreItem xmlns:ds="http://schemas.openxmlformats.org/officeDocument/2006/customXml" ds:itemID="{14883F0F-DE57-4ECA-B9BB-F22E8C5B5D82}">
+<ds:datastoreItem xmlns:ds="http://schemas.openxmlformats.org/officeDocument/2006/customXml" ds:itemID="{6677C09E-2BB8-488C-BA40-96552CF4F99A}">
   <ds:schemaRefs>
-    <ds:schemaRef ds:uri="http://schemas.microsoft.com/sharepoint/v3/contenttype/forms"/>
+    <ds:schemaRef ds:uri="http://schemas.microsoft.com/office/2006/metadata/contentType"/>
+    <ds:schemaRef ds:uri="http://schemas.microsoft.com/office/2006/metadata/properties/metaAttributes"/>
+    <ds:schemaRef ds:uri="http://www.w3.org/2001/XMLSchema"/>
+    <ds:schemaRef ds:uri="http://schemas.microsoft.com/office/2006/metadata/properties"/>
+    <ds:schemaRef ds:uri="609121fb-01d0-49fe-b3fd-9a3e3a0646a9"/>
+    <ds:schemaRef ds:uri="c8fb4810-c3cf-44db-bdf0-77d94482a97a"/>
+    <ds:schemaRef ds:uri="http://schemas.microsoft.com/office/2006/documentManagement/types"/>
+    <ds:schemaRef ds:uri="http://schemas.microsoft.com/office/infopath/2007/PartnerControls"/>
+    <ds:schemaRef ds:uri="http://schemas.openxmlformats.org/package/2006/metadata/core-properties"/>
+    <ds:schemaRef ds:uri="http://purl.org/dc/elements/1.1/"/>
+    <ds:schemaRef ds:uri="http://purl.org/dc/terms/"/>
+    <ds:schemaRef ds:uri="http://schemas.microsoft.com/internal/obd"/>
   </ds:schemaRefs>
 </ds:datastoreItem>
 </file>
@@ -13146,20 +13062,9 @@
 </file>
 
 <file path=customXml/itemProps3.xml><?xml version="1.0" encoding="utf-8"?>
-<ds:datastoreItem xmlns:ds="http://schemas.openxmlformats.org/officeDocument/2006/customXml" ds:itemID="{6677C09E-2BB8-488C-BA40-96552CF4F99A}">
+<ds:datastoreItem xmlns:ds="http://schemas.openxmlformats.org/officeDocument/2006/customXml" ds:itemID="{14883F0F-DE57-4ECA-B9BB-F22E8C5B5D82}">
   <ds:schemaRefs>
-    <ds:schemaRef ds:uri="http://schemas.microsoft.com/office/2006/metadata/contentType"/>
-    <ds:schemaRef ds:uri="http://schemas.microsoft.com/office/2006/metadata/properties/metaAttributes"/>
-    <ds:schemaRef ds:uri="http://www.w3.org/2001/XMLSchema"/>
-    <ds:schemaRef ds:uri="http://schemas.microsoft.com/office/2006/metadata/properties"/>
-    <ds:schemaRef ds:uri="609121fb-01d0-49fe-b3fd-9a3e3a0646a9"/>
-    <ds:schemaRef ds:uri="c8fb4810-c3cf-44db-bdf0-77d94482a97a"/>
-    <ds:schemaRef ds:uri="http://schemas.microsoft.com/office/2006/documentManagement/types"/>
-    <ds:schemaRef ds:uri="http://schemas.microsoft.com/office/infopath/2007/PartnerControls"/>
-    <ds:schemaRef ds:uri="http://schemas.openxmlformats.org/package/2006/metadata/core-properties"/>
-    <ds:schemaRef ds:uri="http://purl.org/dc/elements/1.1/"/>
-    <ds:schemaRef ds:uri="http://purl.org/dc/terms/"/>
-    <ds:schemaRef ds:uri="http://schemas.microsoft.com/internal/obd"/>
+    <ds:schemaRef ds:uri="http://schemas.microsoft.com/sharepoint/v3/contenttype/forms"/>
   </ds:schemaRefs>
 </ds:datastoreItem>
 </file>